--- a/ppt 16-9/1058.主是我们保障.pptx
+++ b/ppt 16-9/1058.主是我们保障.pptx
@@ -5,7 +5,7 @@
     <p:sldMasterId id="2147483648" r:id="rId1"/>
   </p:sldMasterIdLst>
   <p:sldIdLst>
-    <p:sldId id="499" r:id="rId2"/>
+    <p:sldId id="501" r:id="rId2"/>
   </p:sldIdLst>
   <p:sldSz cx="12192000" cy="6858000"/>
   <p:notesSz cx="6858000" cy="9144000"/>
@@ -129,7 +129,7 @@
           <p:cNvPr id="2" name="标题 1">
             <a:extLst>
               <a:ext uri="{FF2B5EF4-FFF2-40B4-BE49-F238E27FC236}">
-                <a16:creationId xmlns:a16="http://schemas.microsoft.com/office/drawing/2014/main" id="{8E3B50C0-6276-F6CA-CAB7-68287E17FC2E}"/>
+                <a16:creationId xmlns:a16="http://schemas.microsoft.com/office/drawing/2014/main" id="{A82EED72-2C09-1BF9-0170-EB4F2D961AE7}"/>
               </a:ext>
             </a:extLst>
           </p:cNvPr>
@@ -166,7 +166,7 @@
           <p:cNvPr id="3" name="副标题 2">
             <a:extLst>
               <a:ext uri="{FF2B5EF4-FFF2-40B4-BE49-F238E27FC236}">
-                <a16:creationId xmlns:a16="http://schemas.microsoft.com/office/drawing/2014/main" id="{A68944E2-2EF5-9EF5-B53F-12B005951F00}"/>
+                <a16:creationId xmlns:a16="http://schemas.microsoft.com/office/drawing/2014/main" id="{67E8A806-58B8-1D9D-6C0B-E8124B821F4F}"/>
               </a:ext>
             </a:extLst>
           </p:cNvPr>
@@ -236,7 +236,7 @@
           <p:cNvPr id="4" name="日期占位符 3">
             <a:extLst>
               <a:ext uri="{FF2B5EF4-FFF2-40B4-BE49-F238E27FC236}">
-                <a16:creationId xmlns:a16="http://schemas.microsoft.com/office/drawing/2014/main" id="{9F6A2104-44F0-D2C2-563C-FD4E29D13D28}"/>
+                <a16:creationId xmlns:a16="http://schemas.microsoft.com/office/drawing/2014/main" id="{40763B53-65F0-1322-C09E-289925F57870}"/>
               </a:ext>
             </a:extLst>
           </p:cNvPr>
@@ -252,7 +252,7 @@
           <a:bodyPr/>
           <a:lstStyle/>
           <a:p>
-            <a:fld id="{AAD5D51E-146A-40AF-8C6A-F6EC4BF75293}" type="datetimeFigureOut">
+            <a:fld id="{5497854A-0FEC-4675-8292-13FED909279C}" type="datetimeFigureOut">
               <a:rPr lang="zh-CN" altLang="en-US" smtClean="0"/>
               <a:t>2024/3/10</a:t>
             </a:fld>
@@ -265,7 +265,7 @@
           <p:cNvPr id="5" name="页脚占位符 4">
             <a:extLst>
               <a:ext uri="{FF2B5EF4-FFF2-40B4-BE49-F238E27FC236}">
-                <a16:creationId xmlns:a16="http://schemas.microsoft.com/office/drawing/2014/main" id="{F97238EC-1FDE-9A5D-E139-6C74EBA743DD}"/>
+                <a16:creationId xmlns:a16="http://schemas.microsoft.com/office/drawing/2014/main" id="{A6D2984F-698E-CCDE-4C01-D46DE66EEDDA}"/>
               </a:ext>
             </a:extLst>
           </p:cNvPr>
@@ -290,7 +290,7 @@
           <p:cNvPr id="6" name="灯片编号占位符 5">
             <a:extLst>
               <a:ext uri="{FF2B5EF4-FFF2-40B4-BE49-F238E27FC236}">
-                <a16:creationId xmlns:a16="http://schemas.microsoft.com/office/drawing/2014/main" id="{DF27EE68-3CA9-F230-2564-A116D046D917}"/>
+                <a16:creationId xmlns:a16="http://schemas.microsoft.com/office/drawing/2014/main" id="{3B2C6DCB-20A9-D7F7-4607-543DD6C45AED}"/>
               </a:ext>
             </a:extLst>
           </p:cNvPr>
@@ -306,7 +306,7 @@
           <a:bodyPr/>
           <a:lstStyle/>
           <a:p>
-            <a:fld id="{8A5BA020-A70E-4D14-A504-BCB41988C627}" type="slidenum">
+            <a:fld id="{11C8C110-C6A4-4E5F-81DC-7DD3B351FE9F}" type="slidenum">
               <a:rPr lang="zh-CN" altLang="en-US" smtClean="0"/>
               <a:t>‹#›</a:t>
             </a:fld>
@@ -317,7 +317,7 @@
     </p:spTree>
     <p:extLst>
       <p:ext uri="{BB962C8B-B14F-4D97-AF65-F5344CB8AC3E}">
-        <p14:creationId xmlns:p14="http://schemas.microsoft.com/office/powerpoint/2010/main" val="869014139"/>
+        <p14:creationId xmlns:p14="http://schemas.microsoft.com/office/powerpoint/2010/main" val="3950027797"/>
       </p:ext>
     </p:extLst>
   </p:cSld>
@@ -349,7 +349,7 @@
           <p:cNvPr id="2" name="标题 1">
             <a:extLst>
               <a:ext uri="{FF2B5EF4-FFF2-40B4-BE49-F238E27FC236}">
-                <a16:creationId xmlns:a16="http://schemas.microsoft.com/office/drawing/2014/main" id="{DBE92497-4520-F034-343B-67C59EC47D6D}"/>
+                <a16:creationId xmlns:a16="http://schemas.microsoft.com/office/drawing/2014/main" id="{2040826C-6EE8-53D1-EEE3-6BA7997219F0}"/>
               </a:ext>
             </a:extLst>
           </p:cNvPr>
@@ -377,7 +377,7 @@
           <p:cNvPr id="3" name="竖排文字占位符 2">
             <a:extLst>
               <a:ext uri="{FF2B5EF4-FFF2-40B4-BE49-F238E27FC236}">
-                <a16:creationId xmlns:a16="http://schemas.microsoft.com/office/drawing/2014/main" id="{B6326D09-C80A-7893-0C52-D08604A2E47B}"/>
+                <a16:creationId xmlns:a16="http://schemas.microsoft.com/office/drawing/2014/main" id="{256377A8-418D-3EA3-D8E8-09F20F77F829}"/>
               </a:ext>
             </a:extLst>
           </p:cNvPr>
@@ -434,7 +434,7 @@
           <p:cNvPr id="4" name="日期占位符 3">
             <a:extLst>
               <a:ext uri="{FF2B5EF4-FFF2-40B4-BE49-F238E27FC236}">
-                <a16:creationId xmlns:a16="http://schemas.microsoft.com/office/drawing/2014/main" id="{D934612B-9945-7553-6C16-CF8C2C864F1C}"/>
+                <a16:creationId xmlns:a16="http://schemas.microsoft.com/office/drawing/2014/main" id="{6B5FF402-0F74-35D7-1328-26E1C8CB5AB1}"/>
               </a:ext>
             </a:extLst>
           </p:cNvPr>
@@ -450,7 +450,7 @@
           <a:bodyPr/>
           <a:lstStyle/>
           <a:p>
-            <a:fld id="{AAD5D51E-146A-40AF-8C6A-F6EC4BF75293}" type="datetimeFigureOut">
+            <a:fld id="{5497854A-0FEC-4675-8292-13FED909279C}" type="datetimeFigureOut">
               <a:rPr lang="zh-CN" altLang="en-US" smtClean="0"/>
               <a:t>2024/3/10</a:t>
             </a:fld>
@@ -463,7 +463,7 @@
           <p:cNvPr id="5" name="页脚占位符 4">
             <a:extLst>
               <a:ext uri="{FF2B5EF4-FFF2-40B4-BE49-F238E27FC236}">
-                <a16:creationId xmlns:a16="http://schemas.microsoft.com/office/drawing/2014/main" id="{61D56464-0F49-9352-C436-DB075F6F8B09}"/>
+                <a16:creationId xmlns:a16="http://schemas.microsoft.com/office/drawing/2014/main" id="{778E5241-736F-2A37-2197-7B6C5D5B8D38}"/>
               </a:ext>
             </a:extLst>
           </p:cNvPr>
@@ -488,7 +488,7 @@
           <p:cNvPr id="6" name="灯片编号占位符 5">
             <a:extLst>
               <a:ext uri="{FF2B5EF4-FFF2-40B4-BE49-F238E27FC236}">
-                <a16:creationId xmlns:a16="http://schemas.microsoft.com/office/drawing/2014/main" id="{E8AE1E76-BAB0-7188-0C7F-45C138549EF3}"/>
+                <a16:creationId xmlns:a16="http://schemas.microsoft.com/office/drawing/2014/main" id="{68323ABA-2C25-33C9-F301-180E1F3F7ADC}"/>
               </a:ext>
             </a:extLst>
           </p:cNvPr>
@@ -504,7 +504,7 @@
           <a:bodyPr/>
           <a:lstStyle/>
           <a:p>
-            <a:fld id="{8A5BA020-A70E-4D14-A504-BCB41988C627}" type="slidenum">
+            <a:fld id="{11C8C110-C6A4-4E5F-81DC-7DD3B351FE9F}" type="slidenum">
               <a:rPr lang="zh-CN" altLang="en-US" smtClean="0"/>
               <a:t>‹#›</a:t>
             </a:fld>
@@ -515,7 +515,7 @@
     </p:spTree>
     <p:extLst>
       <p:ext uri="{BB962C8B-B14F-4D97-AF65-F5344CB8AC3E}">
-        <p14:creationId xmlns:p14="http://schemas.microsoft.com/office/powerpoint/2010/main" val="2865360375"/>
+        <p14:creationId xmlns:p14="http://schemas.microsoft.com/office/powerpoint/2010/main" val="2714868230"/>
       </p:ext>
     </p:extLst>
   </p:cSld>
@@ -547,7 +547,7 @@
           <p:cNvPr id="2" name="竖排标题 1">
             <a:extLst>
               <a:ext uri="{FF2B5EF4-FFF2-40B4-BE49-F238E27FC236}">
-                <a16:creationId xmlns:a16="http://schemas.microsoft.com/office/drawing/2014/main" id="{5ED6D9DE-A050-3C9C-7BB4-6F091AABEF62}"/>
+                <a16:creationId xmlns:a16="http://schemas.microsoft.com/office/drawing/2014/main" id="{AC231FC1-757F-A60B-A1BD-0C03964FFF4D}"/>
               </a:ext>
             </a:extLst>
           </p:cNvPr>
@@ -580,7 +580,7 @@
           <p:cNvPr id="3" name="竖排文字占位符 2">
             <a:extLst>
               <a:ext uri="{FF2B5EF4-FFF2-40B4-BE49-F238E27FC236}">
-                <a16:creationId xmlns:a16="http://schemas.microsoft.com/office/drawing/2014/main" id="{4E9CD51A-85CB-D11B-52CB-8D6DBB5AF115}"/>
+                <a16:creationId xmlns:a16="http://schemas.microsoft.com/office/drawing/2014/main" id="{28E708DD-C4FB-5F6D-A9EA-87C657E9940B}"/>
               </a:ext>
             </a:extLst>
           </p:cNvPr>
@@ -642,7 +642,7 @@
           <p:cNvPr id="4" name="日期占位符 3">
             <a:extLst>
               <a:ext uri="{FF2B5EF4-FFF2-40B4-BE49-F238E27FC236}">
-                <a16:creationId xmlns:a16="http://schemas.microsoft.com/office/drawing/2014/main" id="{93A880D6-4E56-2611-B919-9480C3A362AD}"/>
+                <a16:creationId xmlns:a16="http://schemas.microsoft.com/office/drawing/2014/main" id="{99939A93-FE23-FA34-FEB9-78E2823B252A}"/>
               </a:ext>
             </a:extLst>
           </p:cNvPr>
@@ -658,7 +658,7 @@
           <a:bodyPr/>
           <a:lstStyle/>
           <a:p>
-            <a:fld id="{AAD5D51E-146A-40AF-8C6A-F6EC4BF75293}" type="datetimeFigureOut">
+            <a:fld id="{5497854A-0FEC-4675-8292-13FED909279C}" type="datetimeFigureOut">
               <a:rPr lang="zh-CN" altLang="en-US" smtClean="0"/>
               <a:t>2024/3/10</a:t>
             </a:fld>
@@ -671,7 +671,7 @@
           <p:cNvPr id="5" name="页脚占位符 4">
             <a:extLst>
               <a:ext uri="{FF2B5EF4-FFF2-40B4-BE49-F238E27FC236}">
-                <a16:creationId xmlns:a16="http://schemas.microsoft.com/office/drawing/2014/main" id="{AACD596A-6283-A233-4FD2-0B7AC6AA85D7}"/>
+                <a16:creationId xmlns:a16="http://schemas.microsoft.com/office/drawing/2014/main" id="{991BAF10-D977-5ECD-90CA-EB29AC9FCBA0}"/>
               </a:ext>
             </a:extLst>
           </p:cNvPr>
@@ -696,7 +696,7 @@
           <p:cNvPr id="6" name="灯片编号占位符 5">
             <a:extLst>
               <a:ext uri="{FF2B5EF4-FFF2-40B4-BE49-F238E27FC236}">
-                <a16:creationId xmlns:a16="http://schemas.microsoft.com/office/drawing/2014/main" id="{4D8AC89C-7C32-A8AE-A3BF-F83E695BE767}"/>
+                <a16:creationId xmlns:a16="http://schemas.microsoft.com/office/drawing/2014/main" id="{1A9D4E29-001F-29FC-37CB-CF0C1F5FA93B}"/>
               </a:ext>
             </a:extLst>
           </p:cNvPr>
@@ -712,7 +712,7 @@
           <a:bodyPr/>
           <a:lstStyle/>
           <a:p>
-            <a:fld id="{8A5BA020-A70E-4D14-A504-BCB41988C627}" type="slidenum">
+            <a:fld id="{11C8C110-C6A4-4E5F-81DC-7DD3B351FE9F}" type="slidenum">
               <a:rPr lang="zh-CN" altLang="en-US" smtClean="0"/>
               <a:t>‹#›</a:t>
             </a:fld>
@@ -723,7 +723,7 @@
     </p:spTree>
     <p:extLst>
       <p:ext uri="{BB962C8B-B14F-4D97-AF65-F5344CB8AC3E}">
-        <p14:creationId xmlns:p14="http://schemas.microsoft.com/office/powerpoint/2010/main" val="2953670096"/>
+        <p14:creationId xmlns:p14="http://schemas.microsoft.com/office/powerpoint/2010/main" val="1216172874"/>
       </p:ext>
     </p:extLst>
   </p:cSld>
@@ -755,7 +755,7 @@
           <p:cNvPr id="2" name="标题 1">
             <a:extLst>
               <a:ext uri="{FF2B5EF4-FFF2-40B4-BE49-F238E27FC236}">
-                <a16:creationId xmlns:a16="http://schemas.microsoft.com/office/drawing/2014/main" id="{1B2CE830-5BD5-C7BE-6ACC-AEDB1FBCCB34}"/>
+                <a16:creationId xmlns:a16="http://schemas.microsoft.com/office/drawing/2014/main" id="{F4AD48A2-3249-A3D1-089C-AF8DC20687C9}"/>
               </a:ext>
             </a:extLst>
           </p:cNvPr>
@@ -783,7 +783,7 @@
           <p:cNvPr id="3" name="内容占位符 2">
             <a:extLst>
               <a:ext uri="{FF2B5EF4-FFF2-40B4-BE49-F238E27FC236}">
-                <a16:creationId xmlns:a16="http://schemas.microsoft.com/office/drawing/2014/main" id="{D0F939E8-70B1-603C-4F8A-91B20C7A80C1}"/>
+                <a16:creationId xmlns:a16="http://schemas.microsoft.com/office/drawing/2014/main" id="{BB5D1E91-2085-3770-6BF7-5AB2DBE5E15D}"/>
               </a:ext>
             </a:extLst>
           </p:cNvPr>
@@ -840,7 +840,7 @@
           <p:cNvPr id="4" name="日期占位符 3">
             <a:extLst>
               <a:ext uri="{FF2B5EF4-FFF2-40B4-BE49-F238E27FC236}">
-                <a16:creationId xmlns:a16="http://schemas.microsoft.com/office/drawing/2014/main" id="{8A983FDB-702D-E60B-BD7F-ED6AEF68FFA4}"/>
+                <a16:creationId xmlns:a16="http://schemas.microsoft.com/office/drawing/2014/main" id="{84550C47-539D-5094-CF0A-9A8B68016827}"/>
               </a:ext>
             </a:extLst>
           </p:cNvPr>
@@ -856,7 +856,7 @@
           <a:bodyPr/>
           <a:lstStyle/>
           <a:p>
-            <a:fld id="{AAD5D51E-146A-40AF-8C6A-F6EC4BF75293}" type="datetimeFigureOut">
+            <a:fld id="{5497854A-0FEC-4675-8292-13FED909279C}" type="datetimeFigureOut">
               <a:rPr lang="zh-CN" altLang="en-US" smtClean="0"/>
               <a:t>2024/3/10</a:t>
             </a:fld>
@@ -869,7 +869,7 @@
           <p:cNvPr id="5" name="页脚占位符 4">
             <a:extLst>
               <a:ext uri="{FF2B5EF4-FFF2-40B4-BE49-F238E27FC236}">
-                <a16:creationId xmlns:a16="http://schemas.microsoft.com/office/drawing/2014/main" id="{00082A17-6DE9-D999-FA09-972443CA5CF9}"/>
+                <a16:creationId xmlns:a16="http://schemas.microsoft.com/office/drawing/2014/main" id="{054AA435-B8F3-2A07-30BC-EAAB6AB2AF3F}"/>
               </a:ext>
             </a:extLst>
           </p:cNvPr>
@@ -894,7 +894,7 @@
           <p:cNvPr id="6" name="灯片编号占位符 5">
             <a:extLst>
               <a:ext uri="{FF2B5EF4-FFF2-40B4-BE49-F238E27FC236}">
-                <a16:creationId xmlns:a16="http://schemas.microsoft.com/office/drawing/2014/main" id="{A01CE7B9-5A8D-4504-C275-C7F00F37A572}"/>
+                <a16:creationId xmlns:a16="http://schemas.microsoft.com/office/drawing/2014/main" id="{48B36E5F-C354-063C-7421-EA056966D652}"/>
               </a:ext>
             </a:extLst>
           </p:cNvPr>
@@ -910,7 +910,7 @@
           <a:bodyPr/>
           <a:lstStyle/>
           <a:p>
-            <a:fld id="{8A5BA020-A70E-4D14-A504-BCB41988C627}" type="slidenum">
+            <a:fld id="{11C8C110-C6A4-4E5F-81DC-7DD3B351FE9F}" type="slidenum">
               <a:rPr lang="zh-CN" altLang="en-US" smtClean="0"/>
               <a:t>‹#›</a:t>
             </a:fld>
@@ -921,7 +921,7 @@
     </p:spTree>
     <p:extLst>
       <p:ext uri="{BB962C8B-B14F-4D97-AF65-F5344CB8AC3E}">
-        <p14:creationId xmlns:p14="http://schemas.microsoft.com/office/powerpoint/2010/main" val="2131744777"/>
+        <p14:creationId xmlns:p14="http://schemas.microsoft.com/office/powerpoint/2010/main" val="3400059233"/>
       </p:ext>
     </p:extLst>
   </p:cSld>
@@ -953,7 +953,7 @@
           <p:cNvPr id="2" name="标题 1">
             <a:extLst>
               <a:ext uri="{FF2B5EF4-FFF2-40B4-BE49-F238E27FC236}">
-                <a16:creationId xmlns:a16="http://schemas.microsoft.com/office/drawing/2014/main" id="{55B730DF-BC99-DCC4-08C5-B56AE97529F0}"/>
+                <a16:creationId xmlns:a16="http://schemas.microsoft.com/office/drawing/2014/main" id="{4D95DD94-8777-7DEF-6939-4A72359EDDD8}"/>
               </a:ext>
             </a:extLst>
           </p:cNvPr>
@@ -990,7 +990,7 @@
           <p:cNvPr id="3" name="文本占位符 2">
             <a:extLst>
               <a:ext uri="{FF2B5EF4-FFF2-40B4-BE49-F238E27FC236}">
-                <a16:creationId xmlns:a16="http://schemas.microsoft.com/office/drawing/2014/main" id="{6CDAB927-77F2-F3A8-6920-6728AD98AFE1}"/>
+                <a16:creationId xmlns:a16="http://schemas.microsoft.com/office/drawing/2014/main" id="{FC374BB6-294D-EFA6-2ABF-FDE242E5C631}"/>
               </a:ext>
             </a:extLst>
           </p:cNvPr>
@@ -1115,7 +1115,7 @@
           <p:cNvPr id="4" name="日期占位符 3">
             <a:extLst>
               <a:ext uri="{FF2B5EF4-FFF2-40B4-BE49-F238E27FC236}">
-                <a16:creationId xmlns:a16="http://schemas.microsoft.com/office/drawing/2014/main" id="{8B981F38-1C34-E96B-F1E5-49BB21DD020B}"/>
+                <a16:creationId xmlns:a16="http://schemas.microsoft.com/office/drawing/2014/main" id="{165D0F64-1CED-7D97-E351-F5773D55EB8E}"/>
               </a:ext>
             </a:extLst>
           </p:cNvPr>
@@ -1131,7 +1131,7 @@
           <a:bodyPr/>
           <a:lstStyle/>
           <a:p>
-            <a:fld id="{AAD5D51E-146A-40AF-8C6A-F6EC4BF75293}" type="datetimeFigureOut">
+            <a:fld id="{5497854A-0FEC-4675-8292-13FED909279C}" type="datetimeFigureOut">
               <a:rPr lang="zh-CN" altLang="en-US" smtClean="0"/>
               <a:t>2024/3/10</a:t>
             </a:fld>
@@ -1144,7 +1144,7 @@
           <p:cNvPr id="5" name="页脚占位符 4">
             <a:extLst>
               <a:ext uri="{FF2B5EF4-FFF2-40B4-BE49-F238E27FC236}">
-                <a16:creationId xmlns:a16="http://schemas.microsoft.com/office/drawing/2014/main" id="{7B05C754-BA91-244A-0E0C-DD185C5354FE}"/>
+                <a16:creationId xmlns:a16="http://schemas.microsoft.com/office/drawing/2014/main" id="{3ECA249D-D711-7F23-A203-F694526E4B98}"/>
               </a:ext>
             </a:extLst>
           </p:cNvPr>
@@ -1169,7 +1169,7 @@
           <p:cNvPr id="6" name="灯片编号占位符 5">
             <a:extLst>
               <a:ext uri="{FF2B5EF4-FFF2-40B4-BE49-F238E27FC236}">
-                <a16:creationId xmlns:a16="http://schemas.microsoft.com/office/drawing/2014/main" id="{5BB86A07-1247-41E7-BE4B-47C61D8E7B90}"/>
+                <a16:creationId xmlns:a16="http://schemas.microsoft.com/office/drawing/2014/main" id="{83482CC9-CA6B-4B4E-536F-E6FBA3AD015F}"/>
               </a:ext>
             </a:extLst>
           </p:cNvPr>
@@ -1185,7 +1185,7 @@
           <a:bodyPr/>
           <a:lstStyle/>
           <a:p>
-            <a:fld id="{8A5BA020-A70E-4D14-A504-BCB41988C627}" type="slidenum">
+            <a:fld id="{11C8C110-C6A4-4E5F-81DC-7DD3B351FE9F}" type="slidenum">
               <a:rPr lang="zh-CN" altLang="en-US" smtClean="0"/>
               <a:t>‹#›</a:t>
             </a:fld>
@@ -1196,7 +1196,7 @@
     </p:spTree>
     <p:extLst>
       <p:ext uri="{BB962C8B-B14F-4D97-AF65-F5344CB8AC3E}">
-        <p14:creationId xmlns:p14="http://schemas.microsoft.com/office/powerpoint/2010/main" val="4068837495"/>
+        <p14:creationId xmlns:p14="http://schemas.microsoft.com/office/powerpoint/2010/main" val="2619409608"/>
       </p:ext>
     </p:extLst>
   </p:cSld>
@@ -1228,7 +1228,7 @@
           <p:cNvPr id="2" name="标题 1">
             <a:extLst>
               <a:ext uri="{FF2B5EF4-FFF2-40B4-BE49-F238E27FC236}">
-                <a16:creationId xmlns:a16="http://schemas.microsoft.com/office/drawing/2014/main" id="{D644AE47-8BC3-2D3C-B7BD-484D97B6093F}"/>
+                <a16:creationId xmlns:a16="http://schemas.microsoft.com/office/drawing/2014/main" id="{05EB32FF-24B0-A44F-B31E-1FC14FBBC7F6}"/>
               </a:ext>
             </a:extLst>
           </p:cNvPr>
@@ -1256,7 +1256,7 @@
           <p:cNvPr id="3" name="内容占位符 2">
             <a:extLst>
               <a:ext uri="{FF2B5EF4-FFF2-40B4-BE49-F238E27FC236}">
-                <a16:creationId xmlns:a16="http://schemas.microsoft.com/office/drawing/2014/main" id="{FB0B2E12-0DF0-49B1-A535-84C7A94C3BD6}"/>
+                <a16:creationId xmlns:a16="http://schemas.microsoft.com/office/drawing/2014/main" id="{9744F909-2925-1E0A-0F4A-98494841918F}"/>
               </a:ext>
             </a:extLst>
           </p:cNvPr>
@@ -1318,7 +1318,7 @@
           <p:cNvPr id="4" name="内容占位符 3">
             <a:extLst>
               <a:ext uri="{FF2B5EF4-FFF2-40B4-BE49-F238E27FC236}">
-                <a16:creationId xmlns:a16="http://schemas.microsoft.com/office/drawing/2014/main" id="{8E406F81-6799-96DE-A082-0C932733938A}"/>
+                <a16:creationId xmlns:a16="http://schemas.microsoft.com/office/drawing/2014/main" id="{26D0B8FE-5EE1-00ED-9B03-01C2C2D6CE19}"/>
               </a:ext>
             </a:extLst>
           </p:cNvPr>
@@ -1380,7 +1380,7 @@
           <p:cNvPr id="5" name="日期占位符 4">
             <a:extLst>
               <a:ext uri="{FF2B5EF4-FFF2-40B4-BE49-F238E27FC236}">
-                <a16:creationId xmlns:a16="http://schemas.microsoft.com/office/drawing/2014/main" id="{054A50A9-586C-4985-CFFF-5065169F6BD2}"/>
+                <a16:creationId xmlns:a16="http://schemas.microsoft.com/office/drawing/2014/main" id="{7B2711FE-E545-CD5A-89D5-27B967242A97}"/>
               </a:ext>
             </a:extLst>
           </p:cNvPr>
@@ -1396,7 +1396,7 @@
           <a:bodyPr/>
           <a:lstStyle/>
           <a:p>
-            <a:fld id="{AAD5D51E-146A-40AF-8C6A-F6EC4BF75293}" type="datetimeFigureOut">
+            <a:fld id="{5497854A-0FEC-4675-8292-13FED909279C}" type="datetimeFigureOut">
               <a:rPr lang="zh-CN" altLang="en-US" smtClean="0"/>
               <a:t>2024/3/10</a:t>
             </a:fld>
@@ -1409,7 +1409,7 @@
           <p:cNvPr id="6" name="页脚占位符 5">
             <a:extLst>
               <a:ext uri="{FF2B5EF4-FFF2-40B4-BE49-F238E27FC236}">
-                <a16:creationId xmlns:a16="http://schemas.microsoft.com/office/drawing/2014/main" id="{F7A24A68-8336-BFCB-AF7B-9A5E0BA71A01}"/>
+                <a16:creationId xmlns:a16="http://schemas.microsoft.com/office/drawing/2014/main" id="{89C9D2C8-962C-4959-0508-4CD8D82839AF}"/>
               </a:ext>
             </a:extLst>
           </p:cNvPr>
@@ -1434,7 +1434,7 @@
           <p:cNvPr id="7" name="灯片编号占位符 6">
             <a:extLst>
               <a:ext uri="{FF2B5EF4-FFF2-40B4-BE49-F238E27FC236}">
-                <a16:creationId xmlns:a16="http://schemas.microsoft.com/office/drawing/2014/main" id="{F0004720-F4EA-A201-2EE5-3C98CFA607F3}"/>
+                <a16:creationId xmlns:a16="http://schemas.microsoft.com/office/drawing/2014/main" id="{F91239D1-FD44-D91F-50D2-A379556748CD}"/>
               </a:ext>
             </a:extLst>
           </p:cNvPr>
@@ -1450,7 +1450,7 @@
           <a:bodyPr/>
           <a:lstStyle/>
           <a:p>
-            <a:fld id="{8A5BA020-A70E-4D14-A504-BCB41988C627}" type="slidenum">
+            <a:fld id="{11C8C110-C6A4-4E5F-81DC-7DD3B351FE9F}" type="slidenum">
               <a:rPr lang="zh-CN" altLang="en-US" smtClean="0"/>
               <a:t>‹#›</a:t>
             </a:fld>
@@ -1461,7 +1461,7 @@
     </p:spTree>
     <p:extLst>
       <p:ext uri="{BB962C8B-B14F-4D97-AF65-F5344CB8AC3E}">
-        <p14:creationId xmlns:p14="http://schemas.microsoft.com/office/powerpoint/2010/main" val="2606962552"/>
+        <p14:creationId xmlns:p14="http://schemas.microsoft.com/office/powerpoint/2010/main" val="3943968323"/>
       </p:ext>
     </p:extLst>
   </p:cSld>
@@ -1493,7 +1493,7 @@
           <p:cNvPr id="2" name="标题 1">
             <a:extLst>
               <a:ext uri="{FF2B5EF4-FFF2-40B4-BE49-F238E27FC236}">
-                <a16:creationId xmlns:a16="http://schemas.microsoft.com/office/drawing/2014/main" id="{F53F8BB5-1240-7FB9-2AAB-F151E1FD0FD5}"/>
+                <a16:creationId xmlns:a16="http://schemas.microsoft.com/office/drawing/2014/main" id="{1CD1C83A-9FE0-2AB7-75D3-E7ECAA5C57A9}"/>
               </a:ext>
             </a:extLst>
           </p:cNvPr>
@@ -1526,7 +1526,7 @@
           <p:cNvPr id="3" name="文本占位符 2">
             <a:extLst>
               <a:ext uri="{FF2B5EF4-FFF2-40B4-BE49-F238E27FC236}">
-                <a16:creationId xmlns:a16="http://schemas.microsoft.com/office/drawing/2014/main" id="{2A8DBAF8-DD3D-1EFB-2E14-1B9377569048}"/>
+                <a16:creationId xmlns:a16="http://schemas.microsoft.com/office/drawing/2014/main" id="{AF6E3BCC-5816-FEF2-71B0-0B66E7E0456B}"/>
               </a:ext>
             </a:extLst>
           </p:cNvPr>
@@ -1597,7 +1597,7 @@
           <p:cNvPr id="4" name="内容占位符 3">
             <a:extLst>
               <a:ext uri="{FF2B5EF4-FFF2-40B4-BE49-F238E27FC236}">
-                <a16:creationId xmlns:a16="http://schemas.microsoft.com/office/drawing/2014/main" id="{534E6DC1-A05C-982B-0CF8-03643FD17C94}"/>
+                <a16:creationId xmlns:a16="http://schemas.microsoft.com/office/drawing/2014/main" id="{9D6356C4-0466-D5E6-7380-E839105BD24A}"/>
               </a:ext>
             </a:extLst>
           </p:cNvPr>
@@ -1659,7 +1659,7 @@
           <p:cNvPr id="5" name="文本占位符 4">
             <a:extLst>
               <a:ext uri="{FF2B5EF4-FFF2-40B4-BE49-F238E27FC236}">
-                <a16:creationId xmlns:a16="http://schemas.microsoft.com/office/drawing/2014/main" id="{C927F6C7-D496-53B8-E4F5-472D267D72E9}"/>
+                <a16:creationId xmlns:a16="http://schemas.microsoft.com/office/drawing/2014/main" id="{6AD74E0A-9684-6575-FACA-F4103CB8F387}"/>
               </a:ext>
             </a:extLst>
           </p:cNvPr>
@@ -1730,7 +1730,7 @@
           <p:cNvPr id="6" name="内容占位符 5">
             <a:extLst>
               <a:ext uri="{FF2B5EF4-FFF2-40B4-BE49-F238E27FC236}">
-                <a16:creationId xmlns:a16="http://schemas.microsoft.com/office/drawing/2014/main" id="{C24EBD0B-88D4-31B6-8CAE-353FD0C84722}"/>
+                <a16:creationId xmlns:a16="http://schemas.microsoft.com/office/drawing/2014/main" id="{E2B40E79-C66D-31DC-3BDC-451DE66BCF6E}"/>
               </a:ext>
             </a:extLst>
           </p:cNvPr>
@@ -1792,7 +1792,7 @@
           <p:cNvPr id="7" name="日期占位符 6">
             <a:extLst>
               <a:ext uri="{FF2B5EF4-FFF2-40B4-BE49-F238E27FC236}">
-                <a16:creationId xmlns:a16="http://schemas.microsoft.com/office/drawing/2014/main" id="{B158A12E-8E41-2475-FD1F-8508B9DF3C0C}"/>
+                <a16:creationId xmlns:a16="http://schemas.microsoft.com/office/drawing/2014/main" id="{1A7C211E-F3AA-A416-ABBF-87EE085F71BF}"/>
               </a:ext>
             </a:extLst>
           </p:cNvPr>
@@ -1808,7 +1808,7 @@
           <a:bodyPr/>
           <a:lstStyle/>
           <a:p>
-            <a:fld id="{AAD5D51E-146A-40AF-8C6A-F6EC4BF75293}" type="datetimeFigureOut">
+            <a:fld id="{5497854A-0FEC-4675-8292-13FED909279C}" type="datetimeFigureOut">
               <a:rPr lang="zh-CN" altLang="en-US" smtClean="0"/>
               <a:t>2024/3/10</a:t>
             </a:fld>
@@ -1821,7 +1821,7 @@
           <p:cNvPr id="8" name="页脚占位符 7">
             <a:extLst>
               <a:ext uri="{FF2B5EF4-FFF2-40B4-BE49-F238E27FC236}">
-                <a16:creationId xmlns:a16="http://schemas.microsoft.com/office/drawing/2014/main" id="{F1EC8684-4D0C-8B1A-4C9E-7BBC43B57343}"/>
+                <a16:creationId xmlns:a16="http://schemas.microsoft.com/office/drawing/2014/main" id="{DB4EC1C5-1A9B-7692-6E83-3BB7F6BFDFA2}"/>
               </a:ext>
             </a:extLst>
           </p:cNvPr>
@@ -1846,7 +1846,7 @@
           <p:cNvPr id="9" name="灯片编号占位符 8">
             <a:extLst>
               <a:ext uri="{FF2B5EF4-FFF2-40B4-BE49-F238E27FC236}">
-                <a16:creationId xmlns:a16="http://schemas.microsoft.com/office/drawing/2014/main" id="{12D35D50-444D-322B-5F08-450C1B671E87}"/>
+                <a16:creationId xmlns:a16="http://schemas.microsoft.com/office/drawing/2014/main" id="{0A14A007-4662-40EE-B782-6E445BCED4AC}"/>
               </a:ext>
             </a:extLst>
           </p:cNvPr>
@@ -1862,7 +1862,7 @@
           <a:bodyPr/>
           <a:lstStyle/>
           <a:p>
-            <a:fld id="{8A5BA020-A70E-4D14-A504-BCB41988C627}" type="slidenum">
+            <a:fld id="{11C8C110-C6A4-4E5F-81DC-7DD3B351FE9F}" type="slidenum">
               <a:rPr lang="zh-CN" altLang="en-US" smtClean="0"/>
               <a:t>‹#›</a:t>
             </a:fld>
@@ -1873,7 +1873,7 @@
     </p:spTree>
     <p:extLst>
       <p:ext uri="{BB962C8B-B14F-4D97-AF65-F5344CB8AC3E}">
-        <p14:creationId xmlns:p14="http://schemas.microsoft.com/office/powerpoint/2010/main" val="4267538768"/>
+        <p14:creationId xmlns:p14="http://schemas.microsoft.com/office/powerpoint/2010/main" val="140547344"/>
       </p:ext>
     </p:extLst>
   </p:cSld>
@@ -1905,7 +1905,7 @@
           <p:cNvPr id="2" name="标题 1">
             <a:extLst>
               <a:ext uri="{FF2B5EF4-FFF2-40B4-BE49-F238E27FC236}">
-                <a16:creationId xmlns:a16="http://schemas.microsoft.com/office/drawing/2014/main" id="{FB38F4E2-B0B0-A080-70E4-4112F20E1260}"/>
+                <a16:creationId xmlns:a16="http://schemas.microsoft.com/office/drawing/2014/main" id="{93D03602-5F9A-B21A-BE28-A7E7BE264845}"/>
               </a:ext>
             </a:extLst>
           </p:cNvPr>
@@ -1933,7 +1933,7 @@
           <p:cNvPr id="3" name="日期占位符 2">
             <a:extLst>
               <a:ext uri="{FF2B5EF4-FFF2-40B4-BE49-F238E27FC236}">
-                <a16:creationId xmlns:a16="http://schemas.microsoft.com/office/drawing/2014/main" id="{58C6A2FD-F029-9C0E-4BCF-D48FABED072D}"/>
+                <a16:creationId xmlns:a16="http://schemas.microsoft.com/office/drawing/2014/main" id="{96C2F75E-F827-311A-6C1A-C1A8532B77C3}"/>
               </a:ext>
             </a:extLst>
           </p:cNvPr>
@@ -1949,7 +1949,7 @@
           <a:bodyPr/>
           <a:lstStyle/>
           <a:p>
-            <a:fld id="{AAD5D51E-146A-40AF-8C6A-F6EC4BF75293}" type="datetimeFigureOut">
+            <a:fld id="{5497854A-0FEC-4675-8292-13FED909279C}" type="datetimeFigureOut">
               <a:rPr lang="zh-CN" altLang="en-US" smtClean="0"/>
               <a:t>2024/3/10</a:t>
             </a:fld>
@@ -1962,7 +1962,7 @@
           <p:cNvPr id="4" name="页脚占位符 3">
             <a:extLst>
               <a:ext uri="{FF2B5EF4-FFF2-40B4-BE49-F238E27FC236}">
-                <a16:creationId xmlns:a16="http://schemas.microsoft.com/office/drawing/2014/main" id="{43E72F05-0BE4-83EC-9D8E-38CE0E0E2FBE}"/>
+                <a16:creationId xmlns:a16="http://schemas.microsoft.com/office/drawing/2014/main" id="{F2654737-0595-5A0B-D4C3-D2C666BFC6F9}"/>
               </a:ext>
             </a:extLst>
           </p:cNvPr>
@@ -1987,7 +1987,7 @@
           <p:cNvPr id="5" name="灯片编号占位符 4">
             <a:extLst>
               <a:ext uri="{FF2B5EF4-FFF2-40B4-BE49-F238E27FC236}">
-                <a16:creationId xmlns:a16="http://schemas.microsoft.com/office/drawing/2014/main" id="{E427050A-00D6-8723-762B-B7B0057D9D72}"/>
+                <a16:creationId xmlns:a16="http://schemas.microsoft.com/office/drawing/2014/main" id="{D6A46AE7-C84B-9A94-671F-D263F09C5064}"/>
               </a:ext>
             </a:extLst>
           </p:cNvPr>
@@ -2003,7 +2003,7 @@
           <a:bodyPr/>
           <a:lstStyle/>
           <a:p>
-            <a:fld id="{8A5BA020-A70E-4D14-A504-BCB41988C627}" type="slidenum">
+            <a:fld id="{11C8C110-C6A4-4E5F-81DC-7DD3B351FE9F}" type="slidenum">
               <a:rPr lang="zh-CN" altLang="en-US" smtClean="0"/>
               <a:t>‹#›</a:t>
             </a:fld>
@@ -2014,7 +2014,7 @@
     </p:spTree>
     <p:extLst>
       <p:ext uri="{BB962C8B-B14F-4D97-AF65-F5344CB8AC3E}">
-        <p14:creationId xmlns:p14="http://schemas.microsoft.com/office/powerpoint/2010/main" val="1653009643"/>
+        <p14:creationId xmlns:p14="http://schemas.microsoft.com/office/powerpoint/2010/main" val="3298113194"/>
       </p:ext>
     </p:extLst>
   </p:cSld>
@@ -2046,7 +2046,7 @@
           <p:cNvPr id="2" name="日期占位符 1">
             <a:extLst>
               <a:ext uri="{FF2B5EF4-FFF2-40B4-BE49-F238E27FC236}">
-                <a16:creationId xmlns:a16="http://schemas.microsoft.com/office/drawing/2014/main" id="{9789C651-3500-7A76-7C75-4D9982F2A587}"/>
+                <a16:creationId xmlns:a16="http://schemas.microsoft.com/office/drawing/2014/main" id="{4DAA55CF-C809-C5E6-F176-123AA2D057FB}"/>
               </a:ext>
             </a:extLst>
           </p:cNvPr>
@@ -2062,7 +2062,7 @@
           <a:bodyPr/>
           <a:lstStyle/>
           <a:p>
-            <a:fld id="{AAD5D51E-146A-40AF-8C6A-F6EC4BF75293}" type="datetimeFigureOut">
+            <a:fld id="{5497854A-0FEC-4675-8292-13FED909279C}" type="datetimeFigureOut">
               <a:rPr lang="zh-CN" altLang="en-US" smtClean="0"/>
               <a:t>2024/3/10</a:t>
             </a:fld>
@@ -2075,7 +2075,7 @@
           <p:cNvPr id="3" name="页脚占位符 2">
             <a:extLst>
               <a:ext uri="{FF2B5EF4-FFF2-40B4-BE49-F238E27FC236}">
-                <a16:creationId xmlns:a16="http://schemas.microsoft.com/office/drawing/2014/main" id="{06603FAC-8733-5C08-922B-0A272978EFF6}"/>
+                <a16:creationId xmlns:a16="http://schemas.microsoft.com/office/drawing/2014/main" id="{364C8074-8AEB-84AB-37C5-E2E7450A99D8}"/>
               </a:ext>
             </a:extLst>
           </p:cNvPr>
@@ -2100,7 +2100,7 @@
           <p:cNvPr id="4" name="灯片编号占位符 3">
             <a:extLst>
               <a:ext uri="{FF2B5EF4-FFF2-40B4-BE49-F238E27FC236}">
-                <a16:creationId xmlns:a16="http://schemas.microsoft.com/office/drawing/2014/main" id="{BFA24F53-5336-FD2B-358F-9A38BC5438AB}"/>
+                <a16:creationId xmlns:a16="http://schemas.microsoft.com/office/drawing/2014/main" id="{C4A2D6FF-FFDD-B5BF-C78F-BC2BF2E3FAC9}"/>
               </a:ext>
             </a:extLst>
           </p:cNvPr>
@@ -2116,7 +2116,7 @@
           <a:bodyPr/>
           <a:lstStyle/>
           <a:p>
-            <a:fld id="{8A5BA020-A70E-4D14-A504-BCB41988C627}" type="slidenum">
+            <a:fld id="{11C8C110-C6A4-4E5F-81DC-7DD3B351FE9F}" type="slidenum">
               <a:rPr lang="zh-CN" altLang="en-US" smtClean="0"/>
               <a:t>‹#›</a:t>
             </a:fld>
@@ -2127,7 +2127,7 @@
     </p:spTree>
     <p:extLst>
       <p:ext uri="{BB962C8B-B14F-4D97-AF65-F5344CB8AC3E}">
-        <p14:creationId xmlns:p14="http://schemas.microsoft.com/office/powerpoint/2010/main" val="1645692200"/>
+        <p14:creationId xmlns:p14="http://schemas.microsoft.com/office/powerpoint/2010/main" val="2461801744"/>
       </p:ext>
     </p:extLst>
   </p:cSld>
@@ -2159,7 +2159,7 @@
           <p:cNvPr id="2" name="标题 1">
             <a:extLst>
               <a:ext uri="{FF2B5EF4-FFF2-40B4-BE49-F238E27FC236}">
-                <a16:creationId xmlns:a16="http://schemas.microsoft.com/office/drawing/2014/main" id="{064C63AD-8B62-58CD-076B-B9FA76D4E8CB}"/>
+                <a16:creationId xmlns:a16="http://schemas.microsoft.com/office/drawing/2014/main" id="{C98A704F-493F-66FE-E0D9-128903F8DABA}"/>
               </a:ext>
             </a:extLst>
           </p:cNvPr>
@@ -2196,7 +2196,7 @@
           <p:cNvPr id="3" name="内容占位符 2">
             <a:extLst>
               <a:ext uri="{FF2B5EF4-FFF2-40B4-BE49-F238E27FC236}">
-                <a16:creationId xmlns:a16="http://schemas.microsoft.com/office/drawing/2014/main" id="{3B3071E4-3919-4913-AD56-39490DE62B81}"/>
+                <a16:creationId xmlns:a16="http://schemas.microsoft.com/office/drawing/2014/main" id="{07BDF178-DDF6-F7BE-441F-EF574978CBB7}"/>
               </a:ext>
             </a:extLst>
           </p:cNvPr>
@@ -2286,7 +2286,7 @@
           <p:cNvPr id="4" name="文本占位符 3">
             <a:extLst>
               <a:ext uri="{FF2B5EF4-FFF2-40B4-BE49-F238E27FC236}">
-                <a16:creationId xmlns:a16="http://schemas.microsoft.com/office/drawing/2014/main" id="{840DC2E2-A734-AC66-CFAF-B9F43385BE32}"/>
+                <a16:creationId xmlns:a16="http://schemas.microsoft.com/office/drawing/2014/main" id="{29D8C446-1656-B570-2FA4-3A9AD64A0C12}"/>
               </a:ext>
             </a:extLst>
           </p:cNvPr>
@@ -2357,7 +2357,7 @@
           <p:cNvPr id="5" name="日期占位符 4">
             <a:extLst>
               <a:ext uri="{FF2B5EF4-FFF2-40B4-BE49-F238E27FC236}">
-                <a16:creationId xmlns:a16="http://schemas.microsoft.com/office/drawing/2014/main" id="{BA4BC2DE-205A-72F4-4FAF-37DB19FAA3B6}"/>
+                <a16:creationId xmlns:a16="http://schemas.microsoft.com/office/drawing/2014/main" id="{06311530-62AF-F4B0-A41F-F016DF657E57}"/>
               </a:ext>
             </a:extLst>
           </p:cNvPr>
@@ -2373,7 +2373,7 @@
           <a:bodyPr/>
           <a:lstStyle/>
           <a:p>
-            <a:fld id="{AAD5D51E-146A-40AF-8C6A-F6EC4BF75293}" type="datetimeFigureOut">
+            <a:fld id="{5497854A-0FEC-4675-8292-13FED909279C}" type="datetimeFigureOut">
               <a:rPr lang="zh-CN" altLang="en-US" smtClean="0"/>
               <a:t>2024/3/10</a:t>
             </a:fld>
@@ -2386,7 +2386,7 @@
           <p:cNvPr id="6" name="页脚占位符 5">
             <a:extLst>
               <a:ext uri="{FF2B5EF4-FFF2-40B4-BE49-F238E27FC236}">
-                <a16:creationId xmlns:a16="http://schemas.microsoft.com/office/drawing/2014/main" id="{B396E322-F29F-6728-BCA7-712DE6BF6670}"/>
+                <a16:creationId xmlns:a16="http://schemas.microsoft.com/office/drawing/2014/main" id="{552D031E-2E41-CC5C-A0A5-4AA9FD50493D}"/>
               </a:ext>
             </a:extLst>
           </p:cNvPr>
@@ -2411,7 +2411,7 @@
           <p:cNvPr id="7" name="灯片编号占位符 6">
             <a:extLst>
               <a:ext uri="{FF2B5EF4-FFF2-40B4-BE49-F238E27FC236}">
-                <a16:creationId xmlns:a16="http://schemas.microsoft.com/office/drawing/2014/main" id="{B1AEF7FA-EAFF-F827-F1DE-A8369BAAB523}"/>
+                <a16:creationId xmlns:a16="http://schemas.microsoft.com/office/drawing/2014/main" id="{7F4A6ECB-60A7-3191-35D5-C483222FA008}"/>
               </a:ext>
             </a:extLst>
           </p:cNvPr>
@@ -2427,7 +2427,7 @@
           <a:bodyPr/>
           <a:lstStyle/>
           <a:p>
-            <a:fld id="{8A5BA020-A70E-4D14-A504-BCB41988C627}" type="slidenum">
+            <a:fld id="{11C8C110-C6A4-4E5F-81DC-7DD3B351FE9F}" type="slidenum">
               <a:rPr lang="zh-CN" altLang="en-US" smtClean="0"/>
               <a:t>‹#›</a:t>
             </a:fld>
@@ -2438,7 +2438,7 @@
     </p:spTree>
     <p:extLst>
       <p:ext uri="{BB962C8B-B14F-4D97-AF65-F5344CB8AC3E}">
-        <p14:creationId xmlns:p14="http://schemas.microsoft.com/office/powerpoint/2010/main" val="38235321"/>
+        <p14:creationId xmlns:p14="http://schemas.microsoft.com/office/powerpoint/2010/main" val="1146429105"/>
       </p:ext>
     </p:extLst>
   </p:cSld>
@@ -2470,7 +2470,7 @@
           <p:cNvPr id="2" name="标题 1">
             <a:extLst>
               <a:ext uri="{FF2B5EF4-FFF2-40B4-BE49-F238E27FC236}">
-                <a16:creationId xmlns:a16="http://schemas.microsoft.com/office/drawing/2014/main" id="{75E41B7C-9914-D497-34E0-7D97D31732B4}"/>
+                <a16:creationId xmlns:a16="http://schemas.microsoft.com/office/drawing/2014/main" id="{5111C7C9-906A-CBC7-BDC3-D3B9F490899E}"/>
               </a:ext>
             </a:extLst>
           </p:cNvPr>
@@ -2507,7 +2507,7 @@
           <p:cNvPr id="3" name="图片占位符 2">
             <a:extLst>
               <a:ext uri="{FF2B5EF4-FFF2-40B4-BE49-F238E27FC236}">
-                <a16:creationId xmlns:a16="http://schemas.microsoft.com/office/drawing/2014/main" id="{F5560168-4373-F3BF-3E1A-293BA1BBD5C6}"/>
+                <a16:creationId xmlns:a16="http://schemas.microsoft.com/office/drawing/2014/main" id="{A44C2FF8-FC1F-E2A9-B04E-719328F610DF}"/>
               </a:ext>
             </a:extLst>
           </p:cNvPr>
@@ -2574,7 +2574,7 @@
           <p:cNvPr id="4" name="文本占位符 3">
             <a:extLst>
               <a:ext uri="{FF2B5EF4-FFF2-40B4-BE49-F238E27FC236}">
-                <a16:creationId xmlns:a16="http://schemas.microsoft.com/office/drawing/2014/main" id="{FA2542E0-7BB2-B4B1-4C04-C0D67279D902}"/>
+                <a16:creationId xmlns:a16="http://schemas.microsoft.com/office/drawing/2014/main" id="{5D4C677F-454C-5BCE-7E11-3498EBC5E69C}"/>
               </a:ext>
             </a:extLst>
           </p:cNvPr>
@@ -2645,7 +2645,7 @@
           <p:cNvPr id="5" name="日期占位符 4">
             <a:extLst>
               <a:ext uri="{FF2B5EF4-FFF2-40B4-BE49-F238E27FC236}">
-                <a16:creationId xmlns:a16="http://schemas.microsoft.com/office/drawing/2014/main" id="{BBDE9F8A-51E2-B130-A9DA-A9DF665CF55D}"/>
+                <a16:creationId xmlns:a16="http://schemas.microsoft.com/office/drawing/2014/main" id="{5588DC54-D51D-887C-942B-E2FDE603CB16}"/>
               </a:ext>
             </a:extLst>
           </p:cNvPr>
@@ -2661,7 +2661,7 @@
           <a:bodyPr/>
           <a:lstStyle/>
           <a:p>
-            <a:fld id="{AAD5D51E-146A-40AF-8C6A-F6EC4BF75293}" type="datetimeFigureOut">
+            <a:fld id="{5497854A-0FEC-4675-8292-13FED909279C}" type="datetimeFigureOut">
               <a:rPr lang="zh-CN" altLang="en-US" smtClean="0"/>
               <a:t>2024/3/10</a:t>
             </a:fld>
@@ -2674,7 +2674,7 @@
           <p:cNvPr id="6" name="页脚占位符 5">
             <a:extLst>
               <a:ext uri="{FF2B5EF4-FFF2-40B4-BE49-F238E27FC236}">
-                <a16:creationId xmlns:a16="http://schemas.microsoft.com/office/drawing/2014/main" id="{AF034F2D-1CD6-8325-4A6E-894F53355556}"/>
+                <a16:creationId xmlns:a16="http://schemas.microsoft.com/office/drawing/2014/main" id="{80EDE9B3-4267-C55E-AD1F-E1760A8012D8}"/>
               </a:ext>
             </a:extLst>
           </p:cNvPr>
@@ -2699,7 +2699,7 @@
           <p:cNvPr id="7" name="灯片编号占位符 6">
             <a:extLst>
               <a:ext uri="{FF2B5EF4-FFF2-40B4-BE49-F238E27FC236}">
-                <a16:creationId xmlns:a16="http://schemas.microsoft.com/office/drawing/2014/main" id="{DBBB3178-04D5-9151-77E5-11133724F9FC}"/>
+                <a16:creationId xmlns:a16="http://schemas.microsoft.com/office/drawing/2014/main" id="{174D13FF-D052-E9D3-7D3D-F051509E224E}"/>
               </a:ext>
             </a:extLst>
           </p:cNvPr>
@@ -2715,7 +2715,7 @@
           <a:bodyPr/>
           <a:lstStyle/>
           <a:p>
-            <a:fld id="{8A5BA020-A70E-4D14-A504-BCB41988C627}" type="slidenum">
+            <a:fld id="{11C8C110-C6A4-4E5F-81DC-7DD3B351FE9F}" type="slidenum">
               <a:rPr lang="zh-CN" altLang="en-US" smtClean="0"/>
               <a:t>‹#›</a:t>
             </a:fld>
@@ -2726,7 +2726,7 @@
     </p:spTree>
     <p:extLst>
       <p:ext uri="{BB962C8B-B14F-4D97-AF65-F5344CB8AC3E}">
-        <p14:creationId xmlns:p14="http://schemas.microsoft.com/office/powerpoint/2010/main" val="2995773554"/>
+        <p14:creationId xmlns:p14="http://schemas.microsoft.com/office/powerpoint/2010/main" val="2771831027"/>
       </p:ext>
     </p:extLst>
   </p:cSld>
@@ -2763,7 +2763,7 @@
           <p:cNvPr id="2" name="标题占位符 1">
             <a:extLst>
               <a:ext uri="{FF2B5EF4-FFF2-40B4-BE49-F238E27FC236}">
-                <a16:creationId xmlns:a16="http://schemas.microsoft.com/office/drawing/2014/main" id="{C2B27D84-CC9A-7904-B764-3D3EACE424ED}"/>
+                <a16:creationId xmlns:a16="http://schemas.microsoft.com/office/drawing/2014/main" id="{BF084DE9-7B79-8A7A-B6F2-CD76D4EF8BEA}"/>
               </a:ext>
             </a:extLst>
           </p:cNvPr>
@@ -2801,7 +2801,7 @@
           <p:cNvPr id="3" name="文本占位符 2">
             <a:extLst>
               <a:ext uri="{FF2B5EF4-FFF2-40B4-BE49-F238E27FC236}">
-                <a16:creationId xmlns:a16="http://schemas.microsoft.com/office/drawing/2014/main" id="{D896E947-B2BD-D5C8-65D5-C2DF96FE621B}"/>
+                <a16:creationId xmlns:a16="http://schemas.microsoft.com/office/drawing/2014/main" id="{8BF75475-3F07-C528-AF42-B940BB839B81}"/>
               </a:ext>
             </a:extLst>
           </p:cNvPr>
@@ -2868,7 +2868,7 @@
           <p:cNvPr id="4" name="日期占位符 3">
             <a:extLst>
               <a:ext uri="{FF2B5EF4-FFF2-40B4-BE49-F238E27FC236}">
-                <a16:creationId xmlns:a16="http://schemas.microsoft.com/office/drawing/2014/main" id="{D558483B-A3DF-9CD9-46E1-A4E3B7097E9C}"/>
+                <a16:creationId xmlns:a16="http://schemas.microsoft.com/office/drawing/2014/main" id="{4652C720-1331-D071-8826-AD763FD42C83}"/>
               </a:ext>
             </a:extLst>
           </p:cNvPr>
@@ -2902,7 +2902,7 @@
             </a:lvl1pPr>
           </a:lstStyle>
           <a:p>
-            <a:fld id="{AAD5D51E-146A-40AF-8C6A-F6EC4BF75293}" type="datetimeFigureOut">
+            <a:fld id="{5497854A-0FEC-4675-8292-13FED909279C}" type="datetimeFigureOut">
               <a:rPr lang="zh-CN" altLang="en-US" smtClean="0"/>
               <a:t>2024/3/10</a:t>
             </a:fld>
@@ -2915,7 +2915,7 @@
           <p:cNvPr id="5" name="页脚占位符 4">
             <a:extLst>
               <a:ext uri="{FF2B5EF4-FFF2-40B4-BE49-F238E27FC236}">
-                <a16:creationId xmlns:a16="http://schemas.microsoft.com/office/drawing/2014/main" id="{1FB5AB56-B140-1594-748D-6398194349E1}"/>
+                <a16:creationId xmlns:a16="http://schemas.microsoft.com/office/drawing/2014/main" id="{8F13A227-92B8-2CC0-CB89-5FFFBD696D4F}"/>
               </a:ext>
             </a:extLst>
           </p:cNvPr>
@@ -2958,7 +2958,7 @@
           <p:cNvPr id="6" name="灯片编号占位符 5">
             <a:extLst>
               <a:ext uri="{FF2B5EF4-FFF2-40B4-BE49-F238E27FC236}">
-                <a16:creationId xmlns:a16="http://schemas.microsoft.com/office/drawing/2014/main" id="{F53FE800-1CF5-55DC-4284-B087D62074D4}"/>
+                <a16:creationId xmlns:a16="http://schemas.microsoft.com/office/drawing/2014/main" id="{3C99E5C7-85EC-4BF0-3853-0BBD8B4EA3D4}"/>
               </a:ext>
             </a:extLst>
           </p:cNvPr>
@@ -2992,7 +2992,7 @@
             </a:lvl1pPr>
           </a:lstStyle>
           <a:p>
-            <a:fld id="{8A5BA020-A70E-4D14-A504-BCB41988C627}" type="slidenum">
+            <a:fld id="{11C8C110-C6A4-4E5F-81DC-7DD3B351FE9F}" type="slidenum">
               <a:rPr lang="zh-CN" altLang="en-US" smtClean="0"/>
               <a:t>‹#›</a:t>
             </a:fld>
@@ -3003,7 +3003,7 @@
     </p:spTree>
     <p:extLst>
       <p:ext uri="{BB962C8B-B14F-4D97-AF65-F5344CB8AC3E}">
-        <p14:creationId xmlns:p14="http://schemas.microsoft.com/office/powerpoint/2010/main" val="3396376695"/>
+        <p14:creationId xmlns:p14="http://schemas.microsoft.com/office/powerpoint/2010/main" val="2792333142"/>
       </p:ext>
     </p:extLst>
   </p:cSld>
@@ -3323,7 +3323,7 @@
       </p:grpSpPr>
       <p:pic>
         <p:nvPicPr>
-          <p:cNvPr id="1083394" name="Picture 2" descr="1057"/>
+          <p:cNvPr id="1084418" name="Picture 2" descr="1058"/>
           <p:cNvPicPr>
             <a:picLocks noChangeAspect="1" noChangeArrowheads="1"/>
           </p:cNvPicPr>
@@ -3344,8 +3344,8 @@
         </p:blipFill>
         <p:spPr bwMode="auto">
           <a:xfrm>
-            <a:off x="1614488" y="0"/>
-            <a:ext cx="9053512" cy="6789738"/>
+            <a:off x="1524001" y="0"/>
+            <a:ext cx="9053513" cy="6789738"/>
           </a:xfrm>
           <a:prstGeom prst="rect">
             <a:avLst/>
@@ -3375,158 +3375,11 @@
           </a:extLst>
         </p:spPr>
       </p:pic>
-      <p:pic>
-        <p:nvPicPr>
-          <p:cNvPr id="1084419" name="Picture 3" descr="1057-2"/>
-          <p:cNvPicPr>
-            <a:picLocks noChangeAspect="1" noChangeArrowheads="1"/>
-          </p:cNvPicPr>
-          <p:nvPr/>
-        </p:nvPicPr>
-        <p:blipFill>
-          <a:blip r:embed="rId3">
-            <a:extLst>
-              <a:ext uri="{28A0092B-C50C-407E-A947-70E740481C1C}">
-                <a14:useLocalDpi xmlns:a14="http://schemas.microsoft.com/office/drawing/2010/main" val="0"/>
-              </a:ext>
-            </a:extLst>
-          </a:blip>
-          <a:srcRect/>
-          <a:stretch>
-            <a:fillRect/>
-          </a:stretch>
-        </p:blipFill>
-        <p:spPr bwMode="auto">
-          <a:xfrm>
-            <a:off x="1524000" y="1"/>
-            <a:ext cx="9145588" cy="6791325"/>
-          </a:xfrm>
-          <a:prstGeom prst="rect">
-            <a:avLst/>
-          </a:prstGeom>
-          <a:noFill/>
-          <a:ln>
-            <a:noFill/>
-          </a:ln>
-          <a:effectLst/>
-          <a:extLst>
-            <a:ext uri="{909E8E84-426E-40DD-AFC4-6F175D3DCCD1}">
-              <a14:hiddenFill xmlns:a14="http://schemas.microsoft.com/office/drawing/2010/main">
-                <a:solidFill>
-                  <a:srgbClr val="FFFFFF"/>
-                </a:solidFill>
-              </a14:hiddenFill>
-            </a:ext>
-            <a:ext uri="{91240B29-F687-4F45-9708-019B960494DF}">
-              <a14:hiddenLine xmlns:a14="http://schemas.microsoft.com/office/drawing/2010/main" w="9525">
-                <a:solidFill>
-                  <a:srgbClr val="000000"/>
-                </a:solidFill>
-                <a:miter lim="800000"/>
-                <a:headEnd/>
-                <a:tailEnd/>
-              </a14:hiddenLine>
-            </a:ext>
-            <a:ext uri="{AF507438-7753-43E0-B8FC-AC1667EBCBE1}">
-              <a14:hiddenEffects xmlns:a14="http://schemas.microsoft.com/office/drawing/2010/main">
-                <a:effectLst>
-                  <a:outerShdw dist="35921" dir="2700000" algn="ctr" rotWithShape="0">
-                    <a:srgbClr val="808080"/>
-                  </a:outerShdw>
-                </a:effectLst>
-              </a14:hiddenEffects>
-            </a:ext>
-          </a:extLst>
-        </p:spPr>
-      </p:pic>
     </p:spTree>
   </p:cSld>
   <p:clrMapOvr>
     <a:masterClrMapping/>
   </p:clrMapOvr>
-  <p:timing>
-    <p:tnLst>
-      <p:par>
-        <p:cTn id="1" dur="indefinite" restart="never" nodeType="tmRoot">
-          <p:childTnLst>
-            <p:seq concurrent="1" nextAc="seek">
-              <p:cTn id="2" dur="indefinite" nodeType="mainSeq">
-                <p:childTnLst>
-                  <p:par>
-                    <p:cTn id="3" fill="hold" nodeType="clickPar">
-                      <p:stCondLst>
-                        <p:cond delay="indefinite"/>
-                      </p:stCondLst>
-                      <p:childTnLst>
-                        <p:par>
-                          <p:cTn id="4" fill="hold" nodeType="withGroup">
-                            <p:stCondLst>
-                              <p:cond delay="0"/>
-                            </p:stCondLst>
-                            <p:childTnLst>
-                              <p:par>
-                                <p:cTn id="5" presetID="10" presetClass="entr" presetSubtype="0" fill="hold" nodeType="clickEffect">
-                                  <p:stCondLst>
-                                    <p:cond delay="0"/>
-                                  </p:stCondLst>
-                                  <p:childTnLst>
-                                    <p:set>
-                                      <p:cBhvr>
-                                        <p:cTn id="6" dur="1" fill="hold">
-                                          <p:stCondLst>
-                                            <p:cond delay="0"/>
-                                          </p:stCondLst>
-                                        </p:cTn>
-                                        <p:tgtEl>
-                                          <p:spTgt spid="1084419"/>
-                                        </p:tgtEl>
-                                        <p:attrNameLst>
-                                          <p:attrName>style.visibility</p:attrName>
-                                        </p:attrNameLst>
-                                      </p:cBhvr>
-                                      <p:to>
-                                        <p:strVal val="visible"/>
-                                      </p:to>
-                                    </p:set>
-                                    <p:animEffect transition="in" filter="fade">
-                                      <p:cBhvr>
-                                        <p:cTn id="7" dur="500"/>
-                                        <p:tgtEl>
-                                          <p:spTgt spid="1084419"/>
-                                        </p:tgtEl>
-                                      </p:cBhvr>
-                                    </p:animEffect>
-                                  </p:childTnLst>
-                                </p:cTn>
-                              </p:par>
-                            </p:childTnLst>
-                          </p:cTn>
-                        </p:par>
-                      </p:childTnLst>
-                    </p:cTn>
-                  </p:par>
-                </p:childTnLst>
-              </p:cTn>
-              <p:prevCondLst>
-                <p:cond evt="onPrev" delay="0">
-                  <p:tgtEl>
-                    <p:sldTgt/>
-                  </p:tgtEl>
-                </p:cond>
-              </p:prevCondLst>
-              <p:nextCondLst>
-                <p:cond evt="onNext" delay="0">
-                  <p:tgtEl>
-                    <p:sldTgt/>
-                  </p:tgtEl>
-                </p:cond>
-              </p:nextCondLst>
-            </p:seq>
-          </p:childTnLst>
-        </p:cTn>
-      </p:par>
-    </p:tnLst>
-  </p:timing>
 </p:sld>
 </file>
 
